--- a/Later/Spring/8_Spring_EL/1/Spring Expression Language_DI.pptx
+++ b/Later/Spring/8_Spring_EL/1/Spring Expression Language_DI.pptx
@@ -4105,7 +4105,6 @@
               <a:rPr lang="en-US" sz="1200" dirty="0"/>
               <a:t>addition, all Spring expressions are available via XML or annotation.</a:t>
             </a:r>
-            <a:endParaRPr lang="en-US" sz="1200" dirty="0"/>
           </a:p>
         </p:txBody>
       </p:sp>
@@ -4159,7 +4158,6 @@
               <a:rPr lang="en-US" sz="1200" dirty="0"/>
               <a:t>other extras such as list projection and selection and lambda expressions</a:t>
             </a:r>
-            <a:endParaRPr lang="en-US" sz="1200" dirty="0"/>
           </a:p>
         </p:txBody>
       </p:sp>
@@ -4880,11 +4878,7 @@
             </a:pPr>
             <a:r>
               <a:rPr lang="en-US" sz="1200" i="1" dirty="0"/>
-              <a:t>#{</a:t>
-            </a:r>
-            <a:r>
-              <a:rPr lang="en-US" sz="1200" i="1" dirty="0"/>
-              <a:t>address.state</a:t>
+              <a:t>#{address.state</a:t>
             </a:r>
             <a:r>
               <a:rPr lang="en-US" sz="1200" i="1" dirty="0" smtClean="0"/>
@@ -4896,11 +4890,7 @@
             </a:r>
             <a:r>
               <a:rPr lang="en-US" sz="1200" dirty="0" smtClean="0"/>
-              <a:t>“</a:t>
-            </a:r>
-            <a:r>
-              <a:rPr lang="en-US" sz="1200" dirty="0" smtClean="0"/>
-              <a:t>addressBean</a:t>
+              <a:t>“addressBean</a:t>
             </a:r>
             <a:r>
               <a:rPr lang="en-US" sz="1200" dirty="0"/>
@@ -4924,21 +4914,12 @@
             </a:r>
             <a:r>
               <a:rPr lang="en-US" sz="1200" dirty="0" smtClean="0"/>
-              <a:t>“</a:t>
-            </a:r>
-            <a:r>
-              <a:rPr lang="en-US" sz="1200" dirty="0" smtClean="0"/>
-              <a:t>employeeState</a:t>
-            </a:r>
-            <a:r>
-              <a:rPr lang="en-US" sz="1200" dirty="0" smtClean="0"/>
-              <a:t>” </a:t>
+              <a:t>“employeeState” </a:t>
             </a:r>
             <a:r>
               <a:rPr lang="en-US" sz="1200" dirty="0"/>
               <a:t>property.</a:t>
             </a:r>
-            <a:endParaRPr lang="en-US" sz="1200" dirty="0"/>
           </a:p>
         </p:txBody>
       </p:sp>
@@ -4975,6 +4956,40 @@
           </a:fontRef>
         </p:style>
       </p:cxnSp>
+      <p:sp>
+        <p:nvSpPr>
+          <p:cNvPr id="5" name="TextBox 4"/>
+          <p:cNvSpPr txBox="1"/>
+          <p:nvPr/>
+        </p:nvSpPr>
+        <p:spPr>
+          <a:xfrm>
+            <a:off x="3314698" y="3200400"/>
+            <a:ext cx="1924373" cy="369332"/>
+          </a:xfrm>
+          <a:prstGeom prst="rect">
+            <a:avLst/>
+          </a:prstGeom>
+          <a:noFill/>
+        </p:spPr>
+        <p:txBody>
+          <a:bodyPr wrap="none" rtlCol="0">
+            <a:spAutoFit/>
+          </a:bodyPr>
+          <a:lstStyle/>
+          <a:p>
+            <a:r>
+              <a:rPr lang="en-US" dirty="0" smtClean="0"/>
+              <a:t>Wrong </a:t>
+            </a:r>
+            <a:r>
+              <a:rPr lang="en-US" smtClean="0"/>
+              <a:t>city change</a:t>
+            </a:r>
+            <a:endParaRPr lang="en-US"/>
+          </a:p>
+        </p:txBody>
+      </p:sp>
     </p:spTree>
     <p:extLst>
       <p:ext uri="{BB962C8B-B14F-4D97-AF65-F5344CB8AC3E}">
